--- a/中越詩歌/計算主恩_Hãy Đếm Các Ơn Phước Chúa Ban.pptx
+++ b/中越詩歌/計算主恩_Hãy Đếm Các Ơn Phước Chúa Ban.pptx
@@ -128,6 +128,11 @@
       </a:defRPr>
     </a:lvl9pPr>
   </p:defaultTextStyle>
+  <p:extLst>
+    <p:ext uri="{EFAFB233-063F-42B5-8137-9DF3F51BA10A}">
+      <p15:sldGuideLst xmlns:p15="http://schemas.microsoft.com/office/powerpoint/2012/main"/>
+    </p:ext>
+  </p:extLst>
 </p:presentation>
 </file>
 
@@ -169,7 +174,7 @@
           <a:lstStyle/>
           <a:p>
             <a:r>
-              <a:rPr lang="en-US" altLang="zh-TW" smtClean="0"/>
+              <a:rPr lang="en-US" altLang="zh-TW"/>
               <a:t>Click to edit Master title style</a:t>
             </a:r>
             <a:endParaRPr lang="zh-TW" altLang="en-US"/>
@@ -288,7 +293,7 @@
           </a:lstStyle>
           <a:p>
             <a:r>
-              <a:rPr lang="en-US" altLang="zh-TW" smtClean="0"/>
+              <a:rPr lang="en-US" altLang="zh-TW"/>
               <a:t>Click to edit Master subtitle style</a:t>
             </a:r>
             <a:endParaRPr lang="zh-TW" altLang="en-US"/>
@@ -312,7 +317,7 @@
           <a:p>
             <a:fld id="{6CFFA94B-A1BE-4E0E-B31A-18E3D504FCE8}" type="datetimeFigureOut">
               <a:rPr lang="vi-VN" smtClean="0"/>
-              <a:t>30/12/2021</a:t>
+              <a:t>31/12/2023</a:t>
             </a:fld>
             <a:endParaRPr lang="vi-VN"/>
           </a:p>
@@ -406,7 +411,7 @@
           <a:lstStyle/>
           <a:p>
             <a:r>
-              <a:rPr lang="en-US" altLang="zh-TW" smtClean="0"/>
+              <a:rPr lang="en-US" altLang="zh-TW"/>
               <a:t>Click to edit Master title style</a:t>
             </a:r>
             <a:endParaRPr lang="zh-TW" altLang="en-US"/>
@@ -430,35 +435,35 @@
           <a:p>
             <a:pPr lvl="0"/>
             <a:r>
-              <a:rPr lang="en-US" altLang="zh-TW" smtClean="0"/>
+              <a:rPr lang="en-US" altLang="zh-TW"/>
               <a:t>Edit Master text styles</a:t>
             </a:r>
           </a:p>
           <a:p>
             <a:pPr lvl="1"/>
             <a:r>
-              <a:rPr lang="en-US" altLang="zh-TW" smtClean="0"/>
+              <a:rPr lang="en-US" altLang="zh-TW"/>
               <a:t>Second level</a:t>
             </a:r>
           </a:p>
           <a:p>
             <a:pPr lvl="2"/>
             <a:r>
-              <a:rPr lang="en-US" altLang="zh-TW" smtClean="0"/>
+              <a:rPr lang="en-US" altLang="zh-TW"/>
               <a:t>Third level</a:t>
             </a:r>
           </a:p>
           <a:p>
             <a:pPr lvl="3"/>
             <a:r>
-              <a:rPr lang="en-US" altLang="zh-TW" smtClean="0"/>
+              <a:rPr lang="en-US" altLang="zh-TW"/>
               <a:t>Fourth level</a:t>
             </a:r>
           </a:p>
           <a:p>
             <a:pPr lvl="4"/>
             <a:r>
-              <a:rPr lang="en-US" altLang="zh-TW" smtClean="0"/>
+              <a:rPr lang="en-US" altLang="zh-TW"/>
               <a:t>Fifth level</a:t>
             </a:r>
             <a:endParaRPr lang="zh-TW" altLang="en-US"/>
@@ -482,7 +487,7 @@
           <a:p>
             <a:fld id="{6CFFA94B-A1BE-4E0E-B31A-18E3D504FCE8}" type="datetimeFigureOut">
               <a:rPr lang="vi-VN" smtClean="0"/>
-              <a:t>30/12/2021</a:t>
+              <a:t>31/12/2023</a:t>
             </a:fld>
             <a:endParaRPr lang="vi-VN"/>
           </a:p>
@@ -581,7 +586,7 @@
           <a:lstStyle/>
           <a:p>
             <a:r>
-              <a:rPr lang="en-US" altLang="zh-TW" smtClean="0"/>
+              <a:rPr lang="en-US" altLang="zh-TW"/>
               <a:t>Click to edit Master title style</a:t>
             </a:r>
             <a:endParaRPr lang="zh-TW" altLang="en-US"/>
@@ -610,35 +615,35 @@
           <a:p>
             <a:pPr lvl="0"/>
             <a:r>
-              <a:rPr lang="en-US" altLang="zh-TW" smtClean="0"/>
+              <a:rPr lang="en-US" altLang="zh-TW"/>
               <a:t>Edit Master text styles</a:t>
             </a:r>
           </a:p>
           <a:p>
             <a:pPr lvl="1"/>
             <a:r>
-              <a:rPr lang="en-US" altLang="zh-TW" smtClean="0"/>
+              <a:rPr lang="en-US" altLang="zh-TW"/>
               <a:t>Second level</a:t>
             </a:r>
           </a:p>
           <a:p>
             <a:pPr lvl="2"/>
             <a:r>
-              <a:rPr lang="en-US" altLang="zh-TW" smtClean="0"/>
+              <a:rPr lang="en-US" altLang="zh-TW"/>
               <a:t>Third level</a:t>
             </a:r>
           </a:p>
           <a:p>
             <a:pPr lvl="3"/>
             <a:r>
-              <a:rPr lang="en-US" altLang="zh-TW" smtClean="0"/>
+              <a:rPr lang="en-US" altLang="zh-TW"/>
               <a:t>Fourth level</a:t>
             </a:r>
           </a:p>
           <a:p>
             <a:pPr lvl="4"/>
             <a:r>
-              <a:rPr lang="en-US" altLang="zh-TW" smtClean="0"/>
+              <a:rPr lang="en-US" altLang="zh-TW"/>
               <a:t>Fifth level</a:t>
             </a:r>
             <a:endParaRPr lang="zh-TW" altLang="en-US"/>
@@ -662,7 +667,7 @@
           <a:p>
             <a:fld id="{6CFFA94B-A1BE-4E0E-B31A-18E3D504FCE8}" type="datetimeFigureOut">
               <a:rPr lang="vi-VN" smtClean="0"/>
-              <a:t>30/12/2021</a:t>
+              <a:t>31/12/2023</a:t>
             </a:fld>
             <a:endParaRPr lang="vi-VN"/>
           </a:p>
@@ -756,7 +761,7 @@
           <a:lstStyle/>
           <a:p>
             <a:r>
-              <a:rPr lang="en-US" altLang="zh-TW" smtClean="0"/>
+              <a:rPr lang="en-US" altLang="zh-TW"/>
               <a:t>Click to edit Master title style</a:t>
             </a:r>
             <a:endParaRPr lang="zh-TW" altLang="en-US"/>
@@ -780,35 +785,35 @@
           <a:p>
             <a:pPr lvl="0"/>
             <a:r>
-              <a:rPr lang="en-US" altLang="zh-TW" smtClean="0"/>
+              <a:rPr lang="en-US" altLang="zh-TW"/>
               <a:t>Edit Master text styles</a:t>
             </a:r>
           </a:p>
           <a:p>
             <a:pPr lvl="1"/>
             <a:r>
-              <a:rPr lang="en-US" altLang="zh-TW" smtClean="0"/>
+              <a:rPr lang="en-US" altLang="zh-TW"/>
               <a:t>Second level</a:t>
             </a:r>
           </a:p>
           <a:p>
             <a:pPr lvl="2"/>
             <a:r>
-              <a:rPr lang="en-US" altLang="zh-TW" smtClean="0"/>
+              <a:rPr lang="en-US" altLang="zh-TW"/>
               <a:t>Third level</a:t>
             </a:r>
           </a:p>
           <a:p>
             <a:pPr lvl="3"/>
             <a:r>
-              <a:rPr lang="en-US" altLang="zh-TW" smtClean="0"/>
+              <a:rPr lang="en-US" altLang="zh-TW"/>
               <a:t>Fourth level</a:t>
             </a:r>
           </a:p>
           <a:p>
             <a:pPr lvl="4"/>
             <a:r>
-              <a:rPr lang="en-US" altLang="zh-TW" smtClean="0"/>
+              <a:rPr lang="en-US" altLang="zh-TW"/>
               <a:t>Fifth level</a:t>
             </a:r>
             <a:endParaRPr lang="zh-TW" altLang="en-US"/>
@@ -832,7 +837,7 @@
           <a:p>
             <a:fld id="{6CFFA94B-A1BE-4E0E-B31A-18E3D504FCE8}" type="datetimeFigureOut">
               <a:rPr lang="vi-VN" smtClean="0"/>
-              <a:t>30/12/2021</a:t>
+              <a:t>31/12/2023</a:t>
             </a:fld>
             <a:endParaRPr lang="vi-VN"/>
           </a:p>
@@ -935,7 +940,7 @@
           </a:lstStyle>
           <a:p>
             <a:r>
-              <a:rPr lang="en-US" altLang="zh-TW" smtClean="0"/>
+              <a:rPr lang="en-US" altLang="zh-TW"/>
               <a:t>Click to edit Master title style</a:t>
             </a:r>
             <a:endParaRPr lang="zh-TW" altLang="en-US"/>
@@ -1055,7 +1060,7 @@
           <a:p>
             <a:pPr lvl="0"/>
             <a:r>
-              <a:rPr lang="en-US" altLang="zh-TW" smtClean="0"/>
+              <a:rPr lang="en-US" altLang="zh-TW"/>
               <a:t>Edit Master text styles</a:t>
             </a:r>
           </a:p>
@@ -1078,7 +1083,7 @@
           <a:p>
             <a:fld id="{6CFFA94B-A1BE-4E0E-B31A-18E3D504FCE8}" type="datetimeFigureOut">
               <a:rPr lang="vi-VN" smtClean="0"/>
-              <a:t>30/12/2021</a:t>
+              <a:t>31/12/2023</a:t>
             </a:fld>
             <a:endParaRPr lang="vi-VN"/>
           </a:p>
@@ -1172,7 +1177,7 @@
           <a:lstStyle/>
           <a:p>
             <a:r>
-              <a:rPr lang="en-US" altLang="zh-TW" smtClean="0"/>
+              <a:rPr lang="en-US" altLang="zh-TW"/>
               <a:t>Click to edit Master title style</a:t>
             </a:r>
             <a:endParaRPr lang="zh-TW" altLang="en-US"/>
@@ -1229,35 +1234,35 @@
           <a:p>
             <a:pPr lvl="0"/>
             <a:r>
-              <a:rPr lang="en-US" altLang="zh-TW" smtClean="0"/>
+              <a:rPr lang="en-US" altLang="zh-TW"/>
               <a:t>Edit Master text styles</a:t>
             </a:r>
           </a:p>
           <a:p>
             <a:pPr lvl="1"/>
             <a:r>
-              <a:rPr lang="en-US" altLang="zh-TW" smtClean="0"/>
+              <a:rPr lang="en-US" altLang="zh-TW"/>
               <a:t>Second level</a:t>
             </a:r>
           </a:p>
           <a:p>
             <a:pPr lvl="2"/>
             <a:r>
-              <a:rPr lang="en-US" altLang="zh-TW" smtClean="0"/>
+              <a:rPr lang="en-US" altLang="zh-TW"/>
               <a:t>Third level</a:t>
             </a:r>
           </a:p>
           <a:p>
             <a:pPr lvl="3"/>
             <a:r>
-              <a:rPr lang="en-US" altLang="zh-TW" smtClean="0"/>
+              <a:rPr lang="en-US" altLang="zh-TW"/>
               <a:t>Fourth level</a:t>
             </a:r>
           </a:p>
           <a:p>
             <a:pPr lvl="4"/>
             <a:r>
-              <a:rPr lang="en-US" altLang="zh-TW" smtClean="0"/>
+              <a:rPr lang="en-US" altLang="zh-TW"/>
               <a:t>Fifth level</a:t>
             </a:r>
             <a:endParaRPr lang="zh-TW" altLang="en-US"/>
@@ -1314,35 +1319,35 @@
           <a:p>
             <a:pPr lvl="0"/>
             <a:r>
-              <a:rPr lang="en-US" altLang="zh-TW" smtClean="0"/>
+              <a:rPr lang="en-US" altLang="zh-TW"/>
               <a:t>Edit Master text styles</a:t>
             </a:r>
           </a:p>
           <a:p>
             <a:pPr lvl="1"/>
             <a:r>
-              <a:rPr lang="en-US" altLang="zh-TW" smtClean="0"/>
+              <a:rPr lang="en-US" altLang="zh-TW"/>
               <a:t>Second level</a:t>
             </a:r>
           </a:p>
           <a:p>
             <a:pPr lvl="2"/>
             <a:r>
-              <a:rPr lang="en-US" altLang="zh-TW" smtClean="0"/>
+              <a:rPr lang="en-US" altLang="zh-TW"/>
               <a:t>Third level</a:t>
             </a:r>
           </a:p>
           <a:p>
             <a:pPr lvl="3"/>
             <a:r>
-              <a:rPr lang="en-US" altLang="zh-TW" smtClean="0"/>
+              <a:rPr lang="en-US" altLang="zh-TW"/>
               <a:t>Fourth level</a:t>
             </a:r>
           </a:p>
           <a:p>
             <a:pPr lvl="4"/>
             <a:r>
-              <a:rPr lang="en-US" altLang="zh-TW" smtClean="0"/>
+              <a:rPr lang="en-US" altLang="zh-TW"/>
               <a:t>Fifth level</a:t>
             </a:r>
             <a:endParaRPr lang="zh-TW" altLang="en-US"/>
@@ -1366,7 +1371,7 @@
           <a:p>
             <a:fld id="{6CFFA94B-A1BE-4E0E-B31A-18E3D504FCE8}" type="datetimeFigureOut">
               <a:rPr lang="vi-VN" smtClean="0"/>
-              <a:t>30/12/2021</a:t>
+              <a:t>31/12/2023</a:t>
             </a:fld>
             <a:endParaRPr lang="vi-VN"/>
           </a:p>
@@ -1464,7 +1469,7 @@
           </a:lstStyle>
           <a:p>
             <a:r>
-              <a:rPr lang="en-US" altLang="zh-TW" smtClean="0"/>
+              <a:rPr lang="en-US" altLang="zh-TW"/>
               <a:t>Click to edit Master title style</a:t>
             </a:r>
             <a:endParaRPr lang="zh-TW" altLang="en-US"/>
@@ -1530,7 +1535,7 @@
           <a:p>
             <a:pPr lvl="0"/>
             <a:r>
-              <a:rPr lang="en-US" altLang="zh-TW" smtClean="0"/>
+              <a:rPr lang="en-US" altLang="zh-TW"/>
               <a:t>Edit Master text styles</a:t>
             </a:r>
           </a:p>
@@ -1586,35 +1591,35 @@
           <a:p>
             <a:pPr lvl="0"/>
             <a:r>
-              <a:rPr lang="en-US" altLang="zh-TW" smtClean="0"/>
+              <a:rPr lang="en-US" altLang="zh-TW"/>
               <a:t>Edit Master text styles</a:t>
             </a:r>
           </a:p>
           <a:p>
             <a:pPr lvl="1"/>
             <a:r>
-              <a:rPr lang="en-US" altLang="zh-TW" smtClean="0"/>
+              <a:rPr lang="en-US" altLang="zh-TW"/>
               <a:t>Second level</a:t>
             </a:r>
           </a:p>
           <a:p>
             <a:pPr lvl="2"/>
             <a:r>
-              <a:rPr lang="en-US" altLang="zh-TW" smtClean="0"/>
+              <a:rPr lang="en-US" altLang="zh-TW"/>
               <a:t>Third level</a:t>
             </a:r>
           </a:p>
           <a:p>
             <a:pPr lvl="3"/>
             <a:r>
-              <a:rPr lang="en-US" altLang="zh-TW" smtClean="0"/>
+              <a:rPr lang="en-US" altLang="zh-TW"/>
               <a:t>Fourth level</a:t>
             </a:r>
           </a:p>
           <a:p>
             <a:pPr lvl="4"/>
             <a:r>
-              <a:rPr lang="en-US" altLang="zh-TW" smtClean="0"/>
+              <a:rPr lang="en-US" altLang="zh-TW"/>
               <a:t>Fifth level</a:t>
             </a:r>
             <a:endParaRPr lang="zh-TW" altLang="en-US"/>
@@ -1680,7 +1685,7 @@
           <a:p>
             <a:pPr lvl="0"/>
             <a:r>
-              <a:rPr lang="en-US" altLang="zh-TW" smtClean="0"/>
+              <a:rPr lang="en-US" altLang="zh-TW"/>
               <a:t>Edit Master text styles</a:t>
             </a:r>
           </a:p>
@@ -1736,35 +1741,35 @@
           <a:p>
             <a:pPr lvl="0"/>
             <a:r>
-              <a:rPr lang="en-US" altLang="zh-TW" smtClean="0"/>
+              <a:rPr lang="en-US" altLang="zh-TW"/>
               <a:t>Edit Master text styles</a:t>
             </a:r>
           </a:p>
           <a:p>
             <a:pPr lvl="1"/>
             <a:r>
-              <a:rPr lang="en-US" altLang="zh-TW" smtClean="0"/>
+              <a:rPr lang="en-US" altLang="zh-TW"/>
               <a:t>Second level</a:t>
             </a:r>
           </a:p>
           <a:p>
             <a:pPr lvl="2"/>
             <a:r>
-              <a:rPr lang="en-US" altLang="zh-TW" smtClean="0"/>
+              <a:rPr lang="en-US" altLang="zh-TW"/>
               <a:t>Third level</a:t>
             </a:r>
           </a:p>
           <a:p>
             <a:pPr lvl="3"/>
             <a:r>
-              <a:rPr lang="en-US" altLang="zh-TW" smtClean="0"/>
+              <a:rPr lang="en-US" altLang="zh-TW"/>
               <a:t>Fourth level</a:t>
             </a:r>
           </a:p>
           <a:p>
             <a:pPr lvl="4"/>
             <a:r>
-              <a:rPr lang="en-US" altLang="zh-TW" smtClean="0"/>
+              <a:rPr lang="en-US" altLang="zh-TW"/>
               <a:t>Fifth level</a:t>
             </a:r>
             <a:endParaRPr lang="zh-TW" altLang="en-US"/>
@@ -1788,7 +1793,7 @@
           <a:p>
             <a:fld id="{6CFFA94B-A1BE-4E0E-B31A-18E3D504FCE8}" type="datetimeFigureOut">
               <a:rPr lang="vi-VN" smtClean="0"/>
-              <a:t>30/12/2021</a:t>
+              <a:t>31/12/2023</a:t>
             </a:fld>
             <a:endParaRPr lang="vi-VN"/>
           </a:p>
@@ -1882,7 +1887,7 @@
           <a:lstStyle/>
           <a:p>
             <a:r>
-              <a:rPr lang="en-US" altLang="zh-TW" smtClean="0"/>
+              <a:rPr lang="en-US" altLang="zh-TW"/>
               <a:t>Click to edit Master title style</a:t>
             </a:r>
             <a:endParaRPr lang="zh-TW" altLang="en-US"/>
@@ -1906,7 +1911,7 @@
           <a:p>
             <a:fld id="{6CFFA94B-A1BE-4E0E-B31A-18E3D504FCE8}" type="datetimeFigureOut">
               <a:rPr lang="vi-VN" smtClean="0"/>
-              <a:t>30/12/2021</a:t>
+              <a:t>31/12/2023</a:t>
             </a:fld>
             <a:endParaRPr lang="vi-VN"/>
           </a:p>
@@ -2001,7 +2006,7 @@
           <a:p>
             <a:fld id="{6CFFA94B-A1BE-4E0E-B31A-18E3D504FCE8}" type="datetimeFigureOut">
               <a:rPr lang="vi-VN" smtClean="0"/>
-              <a:t>30/12/2021</a:t>
+              <a:t>31/12/2023</a:t>
             </a:fld>
             <a:endParaRPr lang="vi-VN"/>
           </a:p>
@@ -2104,7 +2109,7 @@
           </a:lstStyle>
           <a:p>
             <a:r>
-              <a:rPr lang="en-US" altLang="zh-TW" smtClean="0"/>
+              <a:rPr lang="en-US" altLang="zh-TW"/>
               <a:t>Click to edit Master title style</a:t>
             </a:r>
             <a:endParaRPr lang="zh-TW" altLang="en-US"/>
@@ -2161,35 +2166,35 @@
           <a:p>
             <a:pPr lvl="0"/>
             <a:r>
-              <a:rPr lang="en-US" altLang="zh-TW" smtClean="0"/>
+              <a:rPr lang="en-US" altLang="zh-TW"/>
               <a:t>Edit Master text styles</a:t>
             </a:r>
           </a:p>
           <a:p>
             <a:pPr lvl="1"/>
             <a:r>
-              <a:rPr lang="en-US" altLang="zh-TW" smtClean="0"/>
+              <a:rPr lang="en-US" altLang="zh-TW"/>
               <a:t>Second level</a:t>
             </a:r>
           </a:p>
           <a:p>
             <a:pPr lvl="2"/>
             <a:r>
-              <a:rPr lang="en-US" altLang="zh-TW" smtClean="0"/>
+              <a:rPr lang="en-US" altLang="zh-TW"/>
               <a:t>Third level</a:t>
             </a:r>
           </a:p>
           <a:p>
             <a:pPr lvl="3"/>
             <a:r>
-              <a:rPr lang="en-US" altLang="zh-TW" smtClean="0"/>
+              <a:rPr lang="en-US" altLang="zh-TW"/>
               <a:t>Fourth level</a:t>
             </a:r>
           </a:p>
           <a:p>
             <a:pPr lvl="4"/>
             <a:r>
-              <a:rPr lang="en-US" altLang="zh-TW" smtClean="0"/>
+              <a:rPr lang="en-US" altLang="zh-TW"/>
               <a:t>Fifth level</a:t>
             </a:r>
             <a:endParaRPr lang="zh-TW" altLang="en-US"/>
@@ -2255,7 +2260,7 @@
           <a:p>
             <a:pPr lvl="0"/>
             <a:r>
-              <a:rPr lang="en-US" altLang="zh-TW" smtClean="0"/>
+              <a:rPr lang="en-US" altLang="zh-TW"/>
               <a:t>Edit Master text styles</a:t>
             </a:r>
           </a:p>
@@ -2278,7 +2283,7 @@
           <a:p>
             <a:fld id="{6CFFA94B-A1BE-4E0E-B31A-18E3D504FCE8}" type="datetimeFigureOut">
               <a:rPr lang="vi-VN" smtClean="0"/>
-              <a:t>30/12/2021</a:t>
+              <a:t>31/12/2023</a:t>
             </a:fld>
             <a:endParaRPr lang="vi-VN"/>
           </a:p>
@@ -2381,7 +2386,7 @@
           </a:lstStyle>
           <a:p>
             <a:r>
-              <a:rPr lang="en-US" altLang="zh-TW" smtClean="0"/>
+              <a:rPr lang="en-US" altLang="zh-TW"/>
               <a:t>Click to edit Master title style</a:t>
             </a:r>
             <a:endParaRPr lang="zh-TW" altLang="en-US"/>
@@ -2446,7 +2451,7 @@
           </a:lstStyle>
           <a:p>
             <a:r>
-              <a:rPr lang="en-US" altLang="zh-TW" smtClean="0"/>
+              <a:rPr lang="en-US" altLang="zh-TW"/>
               <a:t>Click icon to add picture</a:t>
             </a:r>
             <a:endParaRPr lang="zh-TW" altLang="en-US"/>
@@ -2512,7 +2517,7 @@
           <a:p>
             <a:pPr lvl="0"/>
             <a:r>
-              <a:rPr lang="en-US" altLang="zh-TW" smtClean="0"/>
+              <a:rPr lang="en-US" altLang="zh-TW"/>
               <a:t>Edit Master text styles</a:t>
             </a:r>
           </a:p>
@@ -2535,7 +2540,7 @@
           <a:p>
             <a:fld id="{6CFFA94B-A1BE-4E0E-B31A-18E3D504FCE8}" type="datetimeFigureOut">
               <a:rPr lang="vi-VN" smtClean="0"/>
-              <a:t>30/12/2021</a:t>
+              <a:t>31/12/2023</a:t>
             </a:fld>
             <a:endParaRPr lang="vi-VN"/>
           </a:p>
@@ -2649,10 +2654,9 @@
           <a:lstStyle/>
           <a:p>
             <a:r>
-              <a:rPr lang="zh-TW" altLang="en-US" smtClean="0"/>
+              <a:rPr lang="zh-TW" altLang="en-US"/>
               <a:t>按一下以編輯母片標題樣式</a:t>
             </a:r>
-            <a:endParaRPr lang="zh-TW" altLang="en-US"/>
           </a:p>
         </p:txBody>
       </p:sp>
@@ -2683,38 +2687,37 @@
           <a:p>
             <a:pPr lvl="0"/>
             <a:r>
-              <a:rPr lang="zh-TW" altLang="en-US" smtClean="0"/>
+              <a:rPr lang="zh-TW" altLang="en-US"/>
               <a:t>按一下以編輯母片文字樣式</a:t>
             </a:r>
           </a:p>
           <a:p>
             <a:pPr lvl="1"/>
             <a:r>
-              <a:rPr lang="zh-TW" altLang="en-US" smtClean="0"/>
+              <a:rPr lang="zh-TW" altLang="en-US"/>
               <a:t>第二層</a:t>
             </a:r>
           </a:p>
           <a:p>
             <a:pPr lvl="2"/>
             <a:r>
-              <a:rPr lang="zh-TW" altLang="en-US" smtClean="0"/>
+              <a:rPr lang="zh-TW" altLang="en-US"/>
               <a:t>第三層</a:t>
             </a:r>
           </a:p>
           <a:p>
             <a:pPr lvl="3"/>
             <a:r>
-              <a:rPr lang="zh-TW" altLang="en-US" smtClean="0"/>
+              <a:rPr lang="zh-TW" altLang="en-US"/>
               <a:t>第四層</a:t>
             </a:r>
           </a:p>
           <a:p>
             <a:pPr lvl="4"/>
             <a:r>
-              <a:rPr lang="zh-TW" altLang="en-US" smtClean="0"/>
+              <a:rPr lang="zh-TW" altLang="en-US"/>
               <a:t>第五層</a:t>
             </a:r>
-            <a:endParaRPr lang="zh-TW" altLang="en-US"/>
           </a:p>
         </p:txBody>
       </p:sp>
@@ -2753,7 +2756,7 @@
           <a:p>
             <a:fld id="{6CFFA94B-A1BE-4E0E-B31A-18E3D504FCE8}" type="datetimeFigureOut">
               <a:rPr lang="vi-VN" smtClean="0"/>
-              <a:t>30/12/2021</a:t>
+              <a:t>31/12/2023</a:t>
             </a:fld>
             <a:endParaRPr lang="vi-VN"/>
           </a:p>
@@ -3151,7 +3154,7 @@
           <a:lstStyle/>
           <a:p>
             <a:r>
-              <a:rPr lang="zh-CN" altLang="en-US" sz="7200" b="1" i="1" dirty="0" smtClean="0">
+              <a:rPr lang="zh-CN" altLang="en-US" sz="7200" b="1" i="1" dirty="0">
                 <a:solidFill>
                   <a:srgbClr val="660033"/>
                 </a:solidFill>
@@ -3165,24 +3168,7 @@
                 <a:latin typeface="微軟正黑體" pitchFamily="34" charset="-120"/>
                 <a:ea typeface="微軟正黑體" pitchFamily="34" charset="-120"/>
               </a:rPr>
-              <a:t>計</a:t>
-            </a:r>
-            <a:r>
-              <a:rPr lang="zh-CN" altLang="en-US" sz="7200" b="1" i="1" dirty="0">
-                <a:solidFill>
-                  <a:srgbClr val="660033"/>
-                </a:solidFill>
-                <a:effectLst>
-                  <a:outerShdw blurRad="38100" dist="38100" dir="2700000" algn="tl">
-                    <a:srgbClr val="000000">
-                      <a:alpha val="43137"/>
-                    </a:srgbClr>
-                  </a:outerShdw>
-                </a:effectLst>
-                <a:latin typeface="微軟正黑體" pitchFamily="34" charset="-120"/>
-                <a:ea typeface="微軟正黑體" pitchFamily="34" charset="-120"/>
-              </a:rPr>
-              <a:t>算主恩</a:t>
+              <a:t>計算主恩</a:t>
             </a:r>
             <a:endParaRPr lang="zh-TW" altLang="en-US" sz="7200" b="1" i="1" dirty="0">
               <a:solidFill>
@@ -3240,7 +3226,7 @@
           </a:lstStyle>
           <a:p>
             <a:r>
-              <a:rPr lang="vi-VN" sz="5400" b="1" i="1" dirty="0" smtClean="0">
+              <a:rPr lang="vi-VN" sz="5400" b="1" i="1" dirty="0">
                 <a:solidFill>
                   <a:srgbClr val="000066"/>
                 </a:solidFill>
@@ -3255,25 +3241,7 @@
                 <a:ea typeface="微軟正黑體" pitchFamily="34" charset="-120"/>
                 <a:cs typeface="Calibri" panose="020F0502020204030204" pitchFamily="34" charset="0"/>
               </a:rPr>
-              <a:t>Hãy </a:t>
-            </a:r>
-            <a:r>
-              <a:rPr lang="vi-VN" sz="5400" b="1" i="1" dirty="0">
-                <a:solidFill>
-                  <a:srgbClr val="000066"/>
-                </a:solidFill>
-                <a:effectLst>
-                  <a:outerShdw blurRad="38100" dist="38100" dir="2700000" algn="tl">
-                    <a:srgbClr val="000000">
-                      <a:alpha val="43137"/>
-                    </a:srgbClr>
-                  </a:outerShdw>
-                </a:effectLst>
-                <a:latin typeface="Calibri" panose="020F0502020204030204" pitchFamily="34" charset="0"/>
-                <a:ea typeface="微軟正黑體" pitchFamily="34" charset="-120"/>
-                <a:cs typeface="Calibri" panose="020F0502020204030204" pitchFamily="34" charset="0"/>
-              </a:rPr>
-              <a:t>Đếm Các Ơn Phước Chúa Ban</a:t>
+              <a:t>Hãy Đếm Các Ơn Phước Chúa Ban</a:t>
             </a:r>
             <a:endParaRPr lang="zh-TW" altLang="en-US" sz="5400" b="1" i="1" dirty="0">
               <a:solidFill>
@@ -3545,29 +3513,7 @@
                 <a:ea typeface="微軟正黑體" pitchFamily="34" charset="-120"/>
                 <a:cs typeface="Calibri" panose="020F0502020204030204" pitchFamily="34" charset="0"/>
               </a:rPr>
-              <a:t>Khi anh đang mê mỏi bởi </a:t>
-            </a:r>
-            <a:r>
-              <a:rPr lang="vi-VN" sz="4000" b="1" dirty="0">
-                <a:solidFill>
-                  <a:srgbClr val="000066"/>
-                </a:solidFill>
-                <a:latin typeface="Calibri" panose="020F0502020204030204" pitchFamily="34" charset="0"/>
-                <a:ea typeface="微軟正黑體" pitchFamily="34" charset="-120"/>
-                <a:cs typeface="Calibri" panose="020F0502020204030204" pitchFamily="34" charset="0"/>
-              </a:rPr>
-              <a:t>gánh </a:t>
-            </a:r>
-            <a:r>
-              <a:rPr lang="vi-VN" sz="4000" b="1" dirty="0">
-                <a:solidFill>
-                  <a:srgbClr val="000066"/>
-                </a:solidFill>
-                <a:latin typeface="Calibri" panose="020F0502020204030204" pitchFamily="34" charset="0"/>
-                <a:ea typeface="微軟正黑體" pitchFamily="34" charset="-120"/>
-                <a:cs typeface="Calibri" panose="020F0502020204030204" pitchFamily="34" charset="0"/>
-              </a:rPr>
-              <a:t>nặng trên đời chăng?</a:t>
+              <a:t>Khi anh đang mê mỏi bởi gánh nặng trên đời chăng?</a:t>
             </a:r>
             <a:endParaRPr lang="en-US" sz="4000" b="1" dirty="0">
               <a:solidFill>
@@ -3589,7 +3535,7 @@
         <p:spPr>
           <a:xfrm>
             <a:off x="0" y="5253203"/>
-            <a:ext cx="12192000" cy="748988"/>
+            <a:ext cx="12192000" cy="646331"/>
           </a:xfrm>
           <a:prstGeom prst="rect">
             <a:avLst/>
@@ -3604,30 +3550,14 @@
           <a:p>
             <a:pPr algn="ctr"/>
             <a:r>
-              <a:rPr lang="en-US" sz="4267" b="1" dirty="0">
+              <a:rPr lang="en-US" sz="3600" b="1" dirty="0">
                 <a:solidFill>
                   <a:srgbClr val="000066"/>
                 </a:solidFill>
               </a:rPr>
-              <a:t>( </a:t>
-            </a:r>
-            <a:r>
-              <a:rPr lang="en-US" sz="4267" b="1" dirty="0" smtClean="0">
-                <a:solidFill>
-                  <a:srgbClr val="000066"/>
-                </a:solidFill>
-              </a:rPr>
-              <a:t>2 </a:t>
-            </a:r>
-            <a:r>
-              <a:rPr lang="en-US" sz="4267" b="1" dirty="0">
-                <a:solidFill>
-                  <a:srgbClr val="000066"/>
-                </a:solidFill>
-              </a:rPr>
-              <a:t>)</a:t>
-            </a:r>
-            <a:endParaRPr lang="vi-VN" sz="4267" b="1" dirty="0">
+              <a:t>( 2 / 3 )</a:t>
+            </a:r>
+            <a:endParaRPr lang="vi-VN" sz="3600" b="1" dirty="0">
               <a:solidFill>
                 <a:srgbClr val="000066"/>
               </a:solidFill>
@@ -3887,40 +3817,7 @@
                 <a:ea typeface="微軟正黑體" pitchFamily="34" charset="-120"/>
                 <a:cs typeface="Calibri" panose="020F0502020204030204" pitchFamily="34" charset="0"/>
               </a:rPr>
-              <a:t>Hoặc cây thập tự của anh mang </a:t>
-            </a:r>
-            <a:r>
-              <a:rPr lang="vi-VN" sz="4000" b="1" dirty="0">
-                <a:solidFill>
-                  <a:srgbClr val="000066"/>
-                </a:solidFill>
-                <a:latin typeface="Calibri" panose="020F0502020204030204" pitchFamily="34" charset="0"/>
-                <a:ea typeface="微軟正黑體" pitchFamily="34" charset="-120"/>
-                <a:cs typeface="Calibri" panose="020F0502020204030204" pitchFamily="34" charset="0"/>
-              </a:rPr>
-              <a:t>thật </a:t>
-            </a:r>
-            <a:r>
-              <a:rPr lang="vi-VN" sz="4000" b="1" dirty="0">
-                <a:solidFill>
-                  <a:srgbClr val="000066"/>
-                </a:solidFill>
-                <a:latin typeface="Calibri" panose="020F0502020204030204" pitchFamily="34" charset="0"/>
-                <a:ea typeface="微軟正黑體" pitchFamily="34" charset="-120"/>
-                <a:cs typeface="Calibri" panose="020F0502020204030204" pitchFamily="34" charset="0"/>
-              </a:rPr>
-              <a:t>là nặng chăng</a:t>
-            </a:r>
-            <a:r>
-              <a:rPr lang="vi-VN" sz="4000" b="1" dirty="0">
-                <a:solidFill>
-                  <a:srgbClr val="000066"/>
-                </a:solidFill>
-                <a:latin typeface="Calibri" panose="020F0502020204030204" pitchFamily="34" charset="0"/>
-                <a:ea typeface="微軟正黑體" pitchFamily="34" charset="-120"/>
-                <a:cs typeface="Calibri" panose="020F0502020204030204" pitchFamily="34" charset="0"/>
-              </a:rPr>
-              <a:t>?</a:t>
+              <a:t>Hoặc cây thập tự của anh mang thật là nặng chăng?</a:t>
             </a:r>
             <a:endParaRPr lang="en-US" sz="4000" b="1" dirty="0">
               <a:solidFill>
@@ -3942,7 +3839,7 @@
         <p:spPr>
           <a:xfrm>
             <a:off x="0" y="5253203"/>
-            <a:ext cx="12192000" cy="748988"/>
+            <a:ext cx="12192000" cy="646331"/>
           </a:xfrm>
           <a:prstGeom prst="rect">
             <a:avLst/>
@@ -3957,30 +3854,14 @@
           <a:p>
             <a:pPr algn="ctr"/>
             <a:r>
-              <a:rPr lang="en-US" sz="4267" b="1" dirty="0">
+              <a:rPr lang="en-US" sz="3600" b="1" dirty="0">
                 <a:solidFill>
                   <a:srgbClr val="000066"/>
                 </a:solidFill>
               </a:rPr>
-              <a:t>( </a:t>
-            </a:r>
-            <a:r>
-              <a:rPr lang="en-US" sz="4267" b="1" dirty="0" smtClean="0">
-                <a:solidFill>
-                  <a:srgbClr val="000066"/>
-                </a:solidFill>
-              </a:rPr>
-              <a:t>2 </a:t>
-            </a:r>
-            <a:r>
-              <a:rPr lang="en-US" sz="4267" b="1" dirty="0">
-                <a:solidFill>
-                  <a:srgbClr val="000066"/>
-                </a:solidFill>
-              </a:rPr>
-              <a:t>)</a:t>
-            </a:r>
-            <a:endParaRPr lang="vi-VN" sz="4267" b="1" dirty="0">
+              <a:t>( 2 / 3 )</a:t>
+            </a:r>
+            <a:endParaRPr lang="vi-VN" sz="3600" b="1" dirty="0">
               <a:solidFill>
                 <a:srgbClr val="000066"/>
               </a:solidFill>
@@ -4280,29 +4161,7 @@
                 <a:ea typeface="微軟正黑體" pitchFamily="34" charset="-120"/>
                 <a:cs typeface="Calibri" panose="020F0502020204030204" pitchFamily="34" charset="0"/>
               </a:rPr>
-              <a:t>Anh nên mau mau đếm </a:t>
-            </a:r>
-            <a:r>
-              <a:rPr lang="vi-VN" sz="4000" b="1" dirty="0">
-                <a:solidFill>
-                  <a:srgbClr val="000066"/>
-                </a:solidFill>
-                <a:latin typeface="Calibri" panose="020F0502020204030204" pitchFamily="34" charset="0"/>
-                <a:ea typeface="微軟正黑體" pitchFamily="34" charset="-120"/>
-                <a:cs typeface="Calibri" panose="020F0502020204030204" pitchFamily="34" charset="0"/>
-              </a:rPr>
-              <a:t>các </a:t>
-            </a:r>
-            <a:r>
-              <a:rPr lang="vi-VN" sz="4000" b="1" dirty="0">
-                <a:solidFill>
-                  <a:srgbClr val="000066"/>
-                </a:solidFill>
-                <a:latin typeface="Calibri" panose="020F0502020204030204" pitchFamily="34" charset="0"/>
-                <a:ea typeface="微軟正黑體" pitchFamily="34" charset="-120"/>
-                <a:cs typeface="Calibri" panose="020F0502020204030204" pitchFamily="34" charset="0"/>
-              </a:rPr>
-              <a:t>phước lành trên Trời ban</a:t>
+              <a:t>Anh nên mau mau đếm các phước lành trên Trời ban</a:t>
             </a:r>
             <a:endParaRPr lang="en-US" sz="4000" b="1" dirty="0">
               <a:solidFill>
@@ -4324,7 +4183,7 @@
         <p:spPr>
           <a:xfrm>
             <a:off x="0" y="5253203"/>
-            <a:ext cx="12192000" cy="748988"/>
+            <a:ext cx="12192000" cy="646331"/>
           </a:xfrm>
           <a:prstGeom prst="rect">
             <a:avLst/>
@@ -4339,30 +4198,14 @@
           <a:p>
             <a:pPr algn="ctr"/>
             <a:r>
-              <a:rPr lang="en-US" sz="4267" b="1" dirty="0">
+              <a:rPr lang="en-US" sz="3600" b="1" dirty="0">
                 <a:solidFill>
                   <a:srgbClr val="000066"/>
                 </a:solidFill>
               </a:rPr>
-              <a:t>( </a:t>
-            </a:r>
-            <a:r>
-              <a:rPr lang="en-US" sz="4267" b="1" dirty="0" smtClean="0">
-                <a:solidFill>
-                  <a:srgbClr val="000066"/>
-                </a:solidFill>
-              </a:rPr>
-              <a:t>2 </a:t>
-            </a:r>
-            <a:r>
-              <a:rPr lang="en-US" sz="4267" b="1" dirty="0">
-                <a:solidFill>
-                  <a:srgbClr val="000066"/>
-                </a:solidFill>
-              </a:rPr>
-              <a:t>)</a:t>
-            </a:r>
-            <a:endParaRPr lang="vi-VN" sz="4267" b="1" dirty="0">
+              <a:t>( 2 / 3 )</a:t>
+            </a:r>
+            <a:endParaRPr lang="vi-VN" sz="3600" b="1" dirty="0">
               <a:solidFill>
                 <a:srgbClr val="000066"/>
               </a:solidFill>
@@ -4644,7 +4487,7 @@
         <p:spPr>
           <a:xfrm>
             <a:off x="0" y="5253203"/>
-            <a:ext cx="12192000" cy="748988"/>
+            <a:ext cx="12192000" cy="646331"/>
           </a:xfrm>
           <a:prstGeom prst="rect">
             <a:avLst/>
@@ -4659,30 +4502,14 @@
           <a:p>
             <a:pPr algn="ctr"/>
             <a:r>
-              <a:rPr lang="en-US" sz="4267" b="1" dirty="0">
+              <a:rPr lang="en-US" sz="3600" b="1" dirty="0">
                 <a:solidFill>
                   <a:srgbClr val="000066"/>
                 </a:solidFill>
               </a:rPr>
-              <a:t>( </a:t>
-            </a:r>
-            <a:r>
-              <a:rPr lang="en-US" sz="4267" b="1" dirty="0" smtClean="0">
-                <a:solidFill>
-                  <a:srgbClr val="000066"/>
-                </a:solidFill>
-              </a:rPr>
-              <a:t>2 </a:t>
-            </a:r>
-            <a:r>
-              <a:rPr lang="en-US" sz="4267" b="1" dirty="0">
-                <a:solidFill>
-                  <a:srgbClr val="000066"/>
-                </a:solidFill>
-              </a:rPr>
-              <a:t>)</a:t>
-            </a:r>
-            <a:endParaRPr lang="vi-VN" sz="4267" b="1" dirty="0">
+              <a:t>( 2 / 3 )</a:t>
+            </a:r>
+            <a:endParaRPr lang="vi-VN" sz="3600" b="1" dirty="0">
               <a:solidFill>
                 <a:srgbClr val="000066"/>
               </a:solidFill>
@@ -5454,29 +5281,7 @@
                 <a:ea typeface="微軟正黑體" pitchFamily="34" charset="-120"/>
                 <a:cs typeface="Calibri" panose="020F0502020204030204" pitchFamily="34" charset="0"/>
               </a:rPr>
-              <a:t>Hãy đếm ơn </a:t>
-            </a:r>
-            <a:r>
-              <a:rPr lang="vi-VN" sz="4000" b="1" dirty="0">
-                <a:solidFill>
-                  <a:srgbClr val="000066"/>
-                </a:solidFill>
-                <a:latin typeface="Calibri" panose="020F0502020204030204" pitchFamily="34" charset="0"/>
-                <a:ea typeface="微軟正黑體" pitchFamily="34" charset="-120"/>
-                <a:cs typeface="Calibri" panose="020F0502020204030204" pitchFamily="34" charset="0"/>
-              </a:rPr>
-              <a:t>trên, </a:t>
-            </a:r>
-            <a:r>
-              <a:rPr lang="vi-VN" sz="4000" b="1" dirty="0">
-                <a:solidFill>
-                  <a:srgbClr val="000066"/>
-                </a:solidFill>
-                <a:latin typeface="Calibri" panose="020F0502020204030204" pitchFamily="34" charset="0"/>
-                <a:ea typeface="微軟正黑體" pitchFamily="34" charset="-120"/>
-                <a:cs typeface="Calibri" panose="020F0502020204030204" pitchFamily="34" charset="0"/>
-              </a:rPr>
-              <a:t>Hãy kể tên linh ân</a:t>
+              <a:t>Hãy đếm ơn trên, Hãy kể tên linh ân</a:t>
             </a:r>
             <a:endParaRPr lang="en-US" sz="4000" b="1" dirty="0">
               <a:solidFill>
@@ -5761,29 +5566,7 @@
                 <a:ea typeface="微軟正黑體" pitchFamily="34" charset="-120"/>
                 <a:cs typeface="Calibri" panose="020F0502020204030204" pitchFamily="34" charset="0"/>
               </a:rPr>
-              <a:t>Chắc chắn anh sẽ thấy các công tác </a:t>
-            </a:r>
-            <a:r>
-              <a:rPr lang="vi-VN" sz="4000" b="1" dirty="0" smtClean="0">
-                <a:solidFill>
-                  <a:srgbClr val="000066"/>
-                </a:solidFill>
-                <a:latin typeface="Calibri" panose="020F0502020204030204" pitchFamily="34" charset="0"/>
-                <a:ea typeface="微軟正黑體" pitchFamily="34" charset="-120"/>
-                <a:cs typeface="Calibri" panose="020F0502020204030204" pitchFamily="34" charset="0"/>
-              </a:rPr>
-              <a:t>Cha </a:t>
-            </a:r>
-            <a:r>
-              <a:rPr lang="vi-VN" sz="4000" b="1" dirty="0">
-                <a:solidFill>
-                  <a:srgbClr val="000066"/>
-                </a:solidFill>
-                <a:latin typeface="Calibri" panose="020F0502020204030204" pitchFamily="34" charset="0"/>
-                <a:ea typeface="微軟正黑體" pitchFamily="34" charset="-120"/>
-                <a:cs typeface="Calibri" panose="020F0502020204030204" pitchFamily="34" charset="0"/>
-              </a:rPr>
-              <a:t>đang làm</a:t>
+              <a:t>Chắc chắn anh sẽ thấy các công tác Cha đang làm</a:t>
             </a:r>
             <a:endParaRPr lang="vi-VN" altLang="vi-VN" sz="4000" b="1" dirty="0">
               <a:solidFill>
@@ -6068,29 +5851,7 @@
                 <a:ea typeface="微軟正黑體" pitchFamily="34" charset="-120"/>
                 <a:cs typeface="Calibri" panose="020F0502020204030204" pitchFamily="34" charset="0"/>
               </a:rPr>
-              <a:t>Anh đang trông nơi của cải </a:t>
-            </a:r>
-            <a:r>
-              <a:rPr lang="vi-VN" sz="4000" b="1" dirty="0">
-                <a:solidFill>
-                  <a:srgbClr val="000066"/>
-                </a:solidFill>
-                <a:latin typeface="Calibri" panose="020F0502020204030204" pitchFamily="34" charset="0"/>
-                <a:ea typeface="微軟正黑體" pitchFamily="34" charset="-120"/>
-                <a:cs typeface="Calibri" panose="020F0502020204030204" pitchFamily="34" charset="0"/>
-              </a:rPr>
-              <a:t>kẻ </a:t>
-            </a:r>
-            <a:r>
-              <a:rPr lang="vi-VN" sz="4000" b="1" dirty="0">
-                <a:solidFill>
-                  <a:srgbClr val="000066"/>
-                </a:solidFill>
-                <a:latin typeface="Calibri" panose="020F0502020204030204" pitchFamily="34" charset="0"/>
-                <a:ea typeface="微軟正黑體" pitchFamily="34" charset="-120"/>
-                <a:cs typeface="Calibri" panose="020F0502020204030204" pitchFamily="34" charset="0"/>
-              </a:rPr>
-              <a:t>giàu sang đời nầy?</a:t>
+              <a:t>Anh đang trông nơi của cải kẻ giàu sang đời nầy?</a:t>
             </a:r>
             <a:endParaRPr lang="en-US" sz="4000" b="1" dirty="0">
               <a:solidFill>
@@ -6112,7 +5873,7 @@
         <p:spPr>
           <a:xfrm>
             <a:off x="0" y="5253203"/>
-            <a:ext cx="12192000" cy="748988"/>
+            <a:ext cx="12192000" cy="646331"/>
           </a:xfrm>
           <a:prstGeom prst="rect">
             <a:avLst/>
@@ -6127,30 +5888,14 @@
           <a:p>
             <a:pPr algn="ctr"/>
             <a:r>
-              <a:rPr lang="en-US" sz="4267" b="1" dirty="0">
+              <a:rPr lang="en-US" sz="3600" b="1" dirty="0">
                 <a:solidFill>
                   <a:srgbClr val="000066"/>
                 </a:solidFill>
               </a:rPr>
-              <a:t>( </a:t>
-            </a:r>
-            <a:r>
-              <a:rPr lang="en-US" sz="4267" b="1" dirty="0" smtClean="0">
-                <a:solidFill>
-                  <a:srgbClr val="000066"/>
-                </a:solidFill>
-              </a:rPr>
-              <a:t>3 </a:t>
-            </a:r>
-            <a:r>
-              <a:rPr lang="en-US" sz="4267" b="1" dirty="0">
-                <a:solidFill>
-                  <a:srgbClr val="000066"/>
-                </a:solidFill>
-              </a:rPr>
-              <a:t>)</a:t>
-            </a:r>
-            <a:endParaRPr lang="vi-VN" sz="4267" b="1" dirty="0">
+              <a:t>( 3 / 3 )</a:t>
+            </a:r>
+            <a:endParaRPr lang="vi-VN" sz="3600" b="1" dirty="0">
               <a:solidFill>
                 <a:srgbClr val="000066"/>
               </a:solidFill>
@@ -6452,7 +6197,7 @@
         <p:spPr>
           <a:xfrm>
             <a:off x="0" y="5253203"/>
-            <a:ext cx="12192000" cy="748988"/>
+            <a:ext cx="12192000" cy="646331"/>
           </a:xfrm>
           <a:prstGeom prst="rect">
             <a:avLst/>
@@ -6467,30 +6212,14 @@
           <a:p>
             <a:pPr algn="ctr"/>
             <a:r>
-              <a:rPr lang="en-US" sz="4267" b="1" dirty="0">
+              <a:rPr lang="en-US" sz="3600" b="1" dirty="0">
                 <a:solidFill>
                   <a:srgbClr val="000066"/>
                 </a:solidFill>
               </a:rPr>
-              <a:t>( </a:t>
-            </a:r>
-            <a:r>
-              <a:rPr lang="en-US" sz="4267" b="1" dirty="0" smtClean="0">
-                <a:solidFill>
-                  <a:srgbClr val="000066"/>
-                </a:solidFill>
-              </a:rPr>
-              <a:t>3 </a:t>
-            </a:r>
-            <a:r>
-              <a:rPr lang="en-US" sz="4267" b="1" dirty="0">
-                <a:solidFill>
-                  <a:srgbClr val="000066"/>
-                </a:solidFill>
-              </a:rPr>
-              <a:t>)</a:t>
-            </a:r>
-            <a:endParaRPr lang="vi-VN" sz="4267" b="1" dirty="0">
+              <a:t>( 3 / 3 )</a:t>
+            </a:r>
+            <a:endParaRPr lang="vi-VN" sz="3600" b="1" dirty="0">
               <a:solidFill>
                 <a:srgbClr val="000066"/>
               </a:solidFill>
@@ -6554,24 +6283,14 @@
               <a:buNone/>
             </a:pPr>
             <a:r>
-              <a:rPr lang="zh-TW" altLang="en-US" sz="6400" b="1" dirty="0" smtClean="0">
+              <a:rPr lang="zh-TW" altLang="en-US" sz="6400" b="1" dirty="0">
                 <a:solidFill>
                   <a:srgbClr val="660033"/>
                 </a:solidFill>
                 <a:latin typeface="微軟正黑體" pitchFamily="34" charset="-120"/>
                 <a:ea typeface="微軟正黑體" pitchFamily="34" charset="-120"/>
               </a:rPr>
-              <a:t>有</a:t>
-            </a:r>
-            <a:r>
-              <a:rPr lang="zh-TW" altLang="en-US" sz="6400" b="1" dirty="0">
-                <a:solidFill>
-                  <a:srgbClr val="660033"/>
-                </a:solidFill>
-                <a:latin typeface="微軟正黑體" pitchFamily="34" charset="-120"/>
-                <a:ea typeface="微軟正黑體" pitchFamily="34" charset="-120"/>
-              </a:rPr>
-              <a:t>時遇見苦難  如同大波浪</a:t>
+              <a:t>有時遇見苦難  如同大波浪</a:t>
             </a:r>
             <a:endParaRPr lang="en-US" altLang="zh-CN" sz="6400" b="1" dirty="0">
               <a:solidFill>
@@ -6760,29 +6479,7 @@
                 <a:ea typeface="微軟正黑體" pitchFamily="34" charset="-120"/>
                 <a:cs typeface="Calibri" panose="020F0502020204030204" pitchFamily="34" charset="0"/>
               </a:rPr>
-              <a:t>Khi bao cơn sóng gió </a:t>
-            </a:r>
-            <a:r>
-              <a:rPr lang="vi-VN" sz="4000" b="1" dirty="0">
-                <a:solidFill>
-                  <a:srgbClr val="000066"/>
-                </a:solidFill>
-                <a:latin typeface="Calibri" panose="020F0502020204030204" pitchFamily="34" charset="0"/>
-                <a:ea typeface="微軟正黑體" pitchFamily="34" charset="-120"/>
-                <a:cs typeface="Calibri" panose="020F0502020204030204" pitchFamily="34" charset="0"/>
-              </a:rPr>
-              <a:t>bủa </a:t>
-            </a:r>
-            <a:r>
-              <a:rPr lang="vi-VN" sz="4000" b="1" dirty="0">
-                <a:solidFill>
-                  <a:srgbClr val="000066"/>
-                </a:solidFill>
-                <a:latin typeface="Calibri" panose="020F0502020204030204" pitchFamily="34" charset="0"/>
-                <a:ea typeface="微軟正黑體" pitchFamily="34" charset="-120"/>
-                <a:cs typeface="Calibri" panose="020F0502020204030204" pitchFamily="34" charset="0"/>
-              </a:rPr>
-              <a:t>khắp chung quanh bạn đây</a:t>
+              <a:t>Khi bao cơn sóng gió bủa khắp chung quanh bạn đây</a:t>
             </a:r>
             <a:endParaRPr lang="en-US" sz="4000" b="1" dirty="0">
               <a:solidFill>
@@ -6804,7 +6501,7 @@
         <p:spPr>
           <a:xfrm>
             <a:off x="0" y="5253203"/>
-            <a:ext cx="12192000" cy="748988"/>
+            <a:ext cx="12192000" cy="646331"/>
           </a:xfrm>
           <a:prstGeom prst="rect">
             <a:avLst/>
@@ -6819,14 +6516,14 @@
           <a:p>
             <a:pPr algn="ctr"/>
             <a:r>
-              <a:rPr lang="en-US" sz="4267" b="1" dirty="0">
+              <a:rPr lang="en-US" sz="3600" b="1" dirty="0">
                 <a:solidFill>
                   <a:srgbClr val="000066"/>
                 </a:solidFill>
               </a:rPr>
-              <a:t>( 1 )</a:t>
-            </a:r>
-            <a:endParaRPr lang="vi-VN" sz="4267" b="1" dirty="0">
+              <a:t>( 1 / 3 )</a:t>
+            </a:r>
+            <a:endParaRPr lang="vi-VN" sz="3600" b="1" dirty="0">
               <a:solidFill>
                 <a:srgbClr val="000066"/>
               </a:solidFill>
@@ -7106,29 +6803,7 @@
                 <a:ea typeface="微軟正黑體" pitchFamily="34" charset="-120"/>
                 <a:cs typeface="Calibri" panose="020F0502020204030204" pitchFamily="34" charset="0"/>
               </a:rPr>
-              <a:t>Xin anh ghi ơn phước Chúa </a:t>
-            </a:r>
-            <a:r>
-              <a:rPr lang="vi-VN" sz="4000" b="1" dirty="0">
-                <a:solidFill>
-                  <a:srgbClr val="000066"/>
-                </a:solidFill>
-                <a:latin typeface="Calibri" panose="020F0502020204030204" pitchFamily="34" charset="0"/>
-                <a:ea typeface="微軟正黑體" pitchFamily="34" charset="-120"/>
-                <a:cs typeface="Calibri" panose="020F0502020204030204" pitchFamily="34" charset="0"/>
-              </a:rPr>
-              <a:t>vẫn </a:t>
-            </a:r>
-            <a:r>
-              <a:rPr lang="vi-VN" sz="4000" b="1" dirty="0">
-                <a:solidFill>
-                  <a:srgbClr val="000066"/>
-                </a:solidFill>
-                <a:latin typeface="Calibri" panose="020F0502020204030204" pitchFamily="34" charset="0"/>
-                <a:ea typeface="微軟正黑體" pitchFamily="34" charset="-120"/>
-                <a:cs typeface="Calibri" panose="020F0502020204030204" pitchFamily="34" charset="0"/>
-              </a:rPr>
-              <a:t>hằng ban đầy dư</a:t>
+              <a:t>Xin anh ghi ơn phước Chúa vẫn hằng ban đầy dư</a:t>
             </a:r>
             <a:endParaRPr lang="en-US" sz="4000" b="1" dirty="0">
               <a:solidFill>
@@ -7150,7 +6825,7 @@
         <p:spPr>
           <a:xfrm>
             <a:off x="0" y="5253203"/>
-            <a:ext cx="12192000" cy="748988"/>
+            <a:ext cx="12192000" cy="646331"/>
           </a:xfrm>
           <a:prstGeom prst="rect">
             <a:avLst/>
@@ -7165,30 +6840,14 @@
           <a:p>
             <a:pPr algn="ctr"/>
             <a:r>
-              <a:rPr lang="en-US" sz="4267" b="1" dirty="0">
+              <a:rPr lang="en-US" sz="3600" b="1" dirty="0">
                 <a:solidFill>
                   <a:srgbClr val="000066"/>
                 </a:solidFill>
               </a:rPr>
-              <a:t>( </a:t>
-            </a:r>
-            <a:r>
-              <a:rPr lang="en-US" sz="4267" b="1" dirty="0" smtClean="0">
-                <a:solidFill>
-                  <a:srgbClr val="000066"/>
-                </a:solidFill>
-              </a:rPr>
-              <a:t>3 </a:t>
-            </a:r>
-            <a:r>
-              <a:rPr lang="en-US" sz="4267" b="1" dirty="0">
-                <a:solidFill>
-                  <a:srgbClr val="000066"/>
-                </a:solidFill>
-              </a:rPr>
-              <a:t>)</a:t>
-            </a:r>
-            <a:endParaRPr lang="vi-VN" sz="4267" b="1" dirty="0">
+              <a:t>( 3 / 3 )</a:t>
+            </a:r>
+            <a:endParaRPr lang="vi-VN" sz="3600" b="1" dirty="0">
               <a:solidFill>
                 <a:srgbClr val="000066"/>
               </a:solidFill>
@@ -7468,29 +7127,7 @@
                 <a:ea typeface="微軟正黑體" pitchFamily="34" charset="-120"/>
                 <a:cs typeface="Calibri" panose="020F0502020204030204" pitchFamily="34" charset="0"/>
               </a:rPr>
-              <a:t>Dầu bao nhiêu gia sản </a:t>
-            </a:r>
-            <a:r>
-              <a:rPr lang="vi-VN" sz="4000" b="1" dirty="0">
-                <a:solidFill>
-                  <a:srgbClr val="000066"/>
-                </a:solidFill>
-                <a:latin typeface="Calibri" panose="020F0502020204030204" pitchFamily="34" charset="0"/>
-                <a:ea typeface="微軟正黑體" pitchFamily="34" charset="-120"/>
-                <a:cs typeface="Calibri" panose="020F0502020204030204" pitchFamily="34" charset="0"/>
-              </a:rPr>
-              <a:t>vẫn </a:t>
-            </a:r>
-            <a:r>
-              <a:rPr lang="vi-VN" sz="4000" b="1" dirty="0">
-                <a:solidFill>
-                  <a:srgbClr val="000066"/>
-                </a:solidFill>
-                <a:latin typeface="Calibri" panose="020F0502020204030204" pitchFamily="34" charset="0"/>
-                <a:ea typeface="微軟正黑體" pitchFamily="34" charset="-120"/>
-                <a:cs typeface="Calibri" panose="020F0502020204030204" pitchFamily="34" charset="0"/>
-              </a:rPr>
-              <a:t>không thể mua đâu nào</a:t>
+              <a:t>Dầu bao nhiêu gia sản vẫn không thể mua đâu nào</a:t>
             </a:r>
             <a:endParaRPr lang="en-US" sz="4000" b="1" dirty="0">
               <a:solidFill>
@@ -7512,7 +7149,7 @@
         <p:spPr>
           <a:xfrm>
             <a:off x="0" y="5253203"/>
-            <a:ext cx="12192000" cy="748988"/>
+            <a:ext cx="12192000" cy="646331"/>
           </a:xfrm>
           <a:prstGeom prst="rect">
             <a:avLst/>
@@ -7527,30 +7164,14 @@
           <a:p>
             <a:pPr algn="ctr"/>
             <a:r>
-              <a:rPr lang="en-US" sz="4267" b="1" dirty="0">
+              <a:rPr lang="en-US" sz="3600" b="1" dirty="0">
                 <a:solidFill>
                   <a:srgbClr val="000066"/>
                 </a:solidFill>
               </a:rPr>
-              <a:t>( </a:t>
-            </a:r>
-            <a:r>
-              <a:rPr lang="en-US" sz="4267" b="1" dirty="0" smtClean="0">
-                <a:solidFill>
-                  <a:srgbClr val="000066"/>
-                </a:solidFill>
-              </a:rPr>
-              <a:t>3 </a:t>
-            </a:r>
-            <a:r>
-              <a:rPr lang="en-US" sz="4267" b="1" dirty="0">
-                <a:solidFill>
-                  <a:srgbClr val="000066"/>
-                </a:solidFill>
-              </a:rPr>
-              <a:t>)</a:t>
-            </a:r>
-            <a:endParaRPr lang="vi-VN" sz="4267" b="1" dirty="0">
+              <a:t>( 3 / 3 )</a:t>
+            </a:r>
+            <a:endParaRPr lang="vi-VN" sz="3600" b="1" dirty="0">
               <a:solidFill>
                 <a:srgbClr val="000066"/>
               </a:solidFill>
@@ -8322,29 +7943,7 @@
                 <a:ea typeface="微軟正黑體" pitchFamily="34" charset="-120"/>
                 <a:cs typeface="Calibri" panose="020F0502020204030204" pitchFamily="34" charset="0"/>
               </a:rPr>
-              <a:t>Hãy đếm ơn </a:t>
-            </a:r>
-            <a:r>
-              <a:rPr lang="vi-VN" sz="4000" b="1" dirty="0">
-                <a:solidFill>
-                  <a:srgbClr val="000066"/>
-                </a:solidFill>
-                <a:latin typeface="Calibri" panose="020F0502020204030204" pitchFamily="34" charset="0"/>
-                <a:ea typeface="微軟正黑體" pitchFamily="34" charset="-120"/>
-                <a:cs typeface="Calibri" panose="020F0502020204030204" pitchFamily="34" charset="0"/>
-              </a:rPr>
-              <a:t>trên, </a:t>
-            </a:r>
-            <a:r>
-              <a:rPr lang="vi-VN" sz="4000" b="1" dirty="0">
-                <a:solidFill>
-                  <a:srgbClr val="000066"/>
-                </a:solidFill>
-                <a:latin typeface="Calibri" panose="020F0502020204030204" pitchFamily="34" charset="0"/>
-                <a:ea typeface="微軟正黑體" pitchFamily="34" charset="-120"/>
-                <a:cs typeface="Calibri" panose="020F0502020204030204" pitchFamily="34" charset="0"/>
-              </a:rPr>
-              <a:t>Hãy kể tên linh ân</a:t>
+              <a:t>Hãy đếm ơn trên, Hãy kể tên linh ân</a:t>
             </a:r>
             <a:endParaRPr lang="en-US" sz="4000" b="1" dirty="0">
               <a:solidFill>
@@ -8629,29 +8228,7 @@
                 <a:ea typeface="微軟正黑體" pitchFamily="34" charset="-120"/>
                 <a:cs typeface="Calibri" panose="020F0502020204030204" pitchFamily="34" charset="0"/>
               </a:rPr>
-              <a:t>Chắc chắn anh sẽ thấy các công tác </a:t>
-            </a:r>
-            <a:r>
-              <a:rPr lang="vi-VN" sz="4000" b="1" dirty="0" smtClean="0">
-                <a:solidFill>
-                  <a:srgbClr val="000066"/>
-                </a:solidFill>
-                <a:latin typeface="Calibri" panose="020F0502020204030204" pitchFamily="34" charset="0"/>
-                <a:ea typeface="微軟正黑體" pitchFamily="34" charset="-120"/>
-                <a:cs typeface="Calibri" panose="020F0502020204030204" pitchFamily="34" charset="0"/>
-              </a:rPr>
-              <a:t>Cha </a:t>
-            </a:r>
-            <a:r>
-              <a:rPr lang="vi-VN" sz="4000" b="1" dirty="0">
-                <a:solidFill>
-                  <a:srgbClr val="000066"/>
-                </a:solidFill>
-                <a:latin typeface="Calibri" panose="020F0502020204030204" pitchFamily="34" charset="0"/>
-                <a:ea typeface="微軟正黑體" pitchFamily="34" charset="-120"/>
-                <a:cs typeface="Calibri" panose="020F0502020204030204" pitchFamily="34" charset="0"/>
-              </a:rPr>
-              <a:t>đang làm</a:t>
+              <a:t>Chắc chắn anh sẽ thấy các công tác Cha đang làm</a:t>
             </a:r>
             <a:endParaRPr lang="vi-VN" altLang="vi-VN" sz="4000" b="1" dirty="0">
               <a:solidFill>
@@ -8932,7 +8509,7 @@
         <p:spPr>
           <a:xfrm>
             <a:off x="0" y="5253203"/>
-            <a:ext cx="12192000" cy="748988"/>
+            <a:ext cx="12192000" cy="646331"/>
           </a:xfrm>
           <a:prstGeom prst="rect">
             <a:avLst/>
@@ -8947,14 +8524,14 @@
           <a:p>
             <a:pPr algn="ctr"/>
             <a:r>
-              <a:rPr lang="en-US" sz="4267" b="1" dirty="0">
+              <a:rPr lang="en-US" sz="3600" b="1" dirty="0">
                 <a:solidFill>
                   <a:srgbClr val="000066"/>
                 </a:solidFill>
               </a:rPr>
-              <a:t>( 1 )</a:t>
-            </a:r>
-            <a:endParaRPr lang="vi-VN" sz="4267" b="1" dirty="0">
+              <a:t>( 1 / 3 )</a:t>
+            </a:r>
+            <a:endParaRPr lang="vi-VN" sz="3600" b="1" dirty="0">
               <a:solidFill>
                 <a:srgbClr val="000066"/>
               </a:solidFill>
@@ -9214,29 +8791,7 @@
                 <a:ea typeface="微軟正黑體" pitchFamily="34" charset="-120"/>
                 <a:cs typeface="Calibri" panose="020F0502020204030204" pitchFamily="34" charset="0"/>
               </a:rPr>
-              <a:t>Xin anh mau mau đếm </a:t>
-            </a:r>
-            <a:r>
-              <a:rPr lang="vi-VN" sz="4000" b="1" dirty="0" smtClean="0">
-                <a:solidFill>
-                  <a:srgbClr val="000066"/>
-                </a:solidFill>
-                <a:latin typeface="Calibri" panose="020F0502020204030204" pitchFamily="34" charset="0"/>
-                <a:ea typeface="微軟正黑體" pitchFamily="34" charset="-120"/>
-                <a:cs typeface="Calibri" panose="020F0502020204030204" pitchFamily="34" charset="0"/>
-              </a:rPr>
-              <a:t>các </a:t>
-            </a:r>
-            <a:r>
-              <a:rPr lang="vi-VN" sz="4000" b="1" dirty="0">
-                <a:solidFill>
-                  <a:srgbClr val="000066"/>
-                </a:solidFill>
-                <a:latin typeface="Calibri" panose="020F0502020204030204" pitchFamily="34" charset="0"/>
-                <a:ea typeface="微軟正黑體" pitchFamily="34" charset="-120"/>
-                <a:cs typeface="Calibri" panose="020F0502020204030204" pitchFamily="34" charset="0"/>
-              </a:rPr>
-              <a:t>phước lành Thiên Phụ ban</a:t>
+              <a:t>Xin anh mau mau đếm các phước lành Thiên Phụ ban</a:t>
             </a:r>
             <a:endParaRPr lang="en-US" sz="4000" b="1" dirty="0">
               <a:solidFill>
@@ -9258,7 +8813,7 @@
         <p:spPr>
           <a:xfrm>
             <a:off x="0" y="5253203"/>
-            <a:ext cx="12192000" cy="748988"/>
+            <a:ext cx="12192000" cy="646331"/>
           </a:xfrm>
           <a:prstGeom prst="rect">
             <a:avLst/>
@@ -9273,14 +8828,14 @@
           <a:p>
             <a:pPr algn="ctr"/>
             <a:r>
-              <a:rPr lang="en-US" sz="4267" b="1" dirty="0">
+              <a:rPr lang="en-US" sz="3600" b="1" dirty="0">
                 <a:solidFill>
                   <a:srgbClr val="000066"/>
                 </a:solidFill>
               </a:rPr>
-              <a:t>( 1 )</a:t>
-            </a:r>
-            <a:endParaRPr lang="vi-VN" sz="4267" b="1" dirty="0">
+              <a:t>( 1 / 3 )</a:t>
+            </a:r>
+            <a:endParaRPr lang="vi-VN" sz="3600" b="1" dirty="0">
               <a:solidFill>
                 <a:srgbClr val="000066"/>
               </a:solidFill>
@@ -9540,29 +9095,7 @@
                 <a:ea typeface="微軟正黑體" pitchFamily="34" charset="-120"/>
                 <a:cs typeface="Calibri" panose="020F0502020204030204" pitchFamily="34" charset="0"/>
               </a:rPr>
-              <a:t>rồi anh ngạc nhiên thấy </a:t>
-            </a:r>
-            <a:r>
-              <a:rPr lang="vi-VN" sz="4000" b="1" dirty="0" smtClean="0">
-                <a:solidFill>
-                  <a:srgbClr val="000066"/>
-                </a:solidFill>
-                <a:latin typeface="Calibri" panose="020F0502020204030204" pitchFamily="34" charset="0"/>
-                <a:ea typeface="微軟正黑體" pitchFamily="34" charset="-120"/>
-                <a:cs typeface="Calibri" panose="020F0502020204030204" pitchFamily="34" charset="0"/>
-              </a:rPr>
-              <a:t>phước </a:t>
-            </a:r>
-            <a:r>
-              <a:rPr lang="vi-VN" sz="4000" b="1" dirty="0">
-                <a:solidFill>
-                  <a:srgbClr val="000066"/>
-                </a:solidFill>
-                <a:latin typeface="Calibri" panose="020F0502020204030204" pitchFamily="34" charset="0"/>
-                <a:ea typeface="微軟正黑體" pitchFamily="34" charset="-120"/>
-                <a:cs typeface="Calibri" panose="020F0502020204030204" pitchFamily="34" charset="0"/>
-              </a:rPr>
-              <a:t>ơn Chúa luôn tuôn tràn</a:t>
+              <a:t>rồi anh ngạc nhiên thấy phước ơn Chúa luôn tuôn tràn</a:t>
             </a:r>
             <a:endParaRPr lang="en-US" sz="4000" b="1" dirty="0">
               <a:solidFill>
@@ -9584,7 +9117,7 @@
         <p:spPr>
           <a:xfrm>
             <a:off x="0" y="5253203"/>
-            <a:ext cx="12192000" cy="748988"/>
+            <a:ext cx="12192000" cy="646331"/>
           </a:xfrm>
           <a:prstGeom prst="rect">
             <a:avLst/>
@@ -9599,14 +9132,14 @@
           <a:p>
             <a:pPr algn="ctr"/>
             <a:r>
-              <a:rPr lang="en-US" sz="4267" b="1" dirty="0">
+              <a:rPr lang="en-US" sz="3600" b="1" dirty="0">
                 <a:solidFill>
                   <a:srgbClr val="000066"/>
                 </a:solidFill>
               </a:rPr>
-              <a:t>( 1 )</a:t>
-            </a:r>
-            <a:endParaRPr lang="vi-VN" sz="4267" b="1" dirty="0">
+              <a:t>( 1 / 3 )</a:t>
+            </a:r>
+            <a:endParaRPr lang="vi-VN" sz="3600" b="1" dirty="0">
               <a:solidFill>
                 <a:srgbClr val="000066"/>
               </a:solidFill>
@@ -10378,29 +9911,7 @@
                 <a:ea typeface="微軟正黑體" pitchFamily="34" charset="-120"/>
                 <a:cs typeface="Calibri" panose="020F0502020204030204" pitchFamily="34" charset="0"/>
               </a:rPr>
-              <a:t>Hãy đếm ơn </a:t>
-            </a:r>
-            <a:r>
-              <a:rPr lang="vi-VN" sz="4000" b="1" dirty="0">
-                <a:solidFill>
-                  <a:srgbClr val="000066"/>
-                </a:solidFill>
-                <a:latin typeface="Calibri" panose="020F0502020204030204" pitchFamily="34" charset="0"/>
-                <a:ea typeface="微軟正黑體" pitchFamily="34" charset="-120"/>
-                <a:cs typeface="Calibri" panose="020F0502020204030204" pitchFamily="34" charset="0"/>
-              </a:rPr>
-              <a:t>trên, </a:t>
-            </a:r>
-            <a:r>
-              <a:rPr lang="vi-VN" sz="4000" b="1" dirty="0">
-                <a:solidFill>
-                  <a:srgbClr val="000066"/>
-                </a:solidFill>
-                <a:latin typeface="Calibri" panose="020F0502020204030204" pitchFamily="34" charset="0"/>
-                <a:ea typeface="微軟正黑體" pitchFamily="34" charset="-120"/>
-                <a:cs typeface="Calibri" panose="020F0502020204030204" pitchFamily="34" charset="0"/>
-              </a:rPr>
-              <a:t>Hãy kể tên linh ân</a:t>
+              <a:t>Hãy đếm ơn trên, Hãy kể tên linh ân</a:t>
             </a:r>
             <a:endParaRPr lang="en-US" sz="4000" b="1" dirty="0">
               <a:solidFill>
@@ -10685,29 +10196,7 @@
                 <a:ea typeface="微軟正黑體" pitchFamily="34" charset="-120"/>
                 <a:cs typeface="Calibri" panose="020F0502020204030204" pitchFamily="34" charset="0"/>
               </a:rPr>
-              <a:t>Chắc chắn anh sẽ thấy các công tác </a:t>
-            </a:r>
-            <a:r>
-              <a:rPr lang="vi-VN" sz="4000" b="1" dirty="0" smtClean="0">
-                <a:solidFill>
-                  <a:srgbClr val="000066"/>
-                </a:solidFill>
-                <a:latin typeface="Calibri" panose="020F0502020204030204" pitchFamily="34" charset="0"/>
-                <a:ea typeface="微軟正黑體" pitchFamily="34" charset="-120"/>
-                <a:cs typeface="Calibri" panose="020F0502020204030204" pitchFamily="34" charset="0"/>
-              </a:rPr>
-              <a:t>Cha </a:t>
-            </a:r>
-            <a:r>
-              <a:rPr lang="vi-VN" sz="4000" b="1" dirty="0">
-                <a:solidFill>
-                  <a:srgbClr val="000066"/>
-                </a:solidFill>
-                <a:latin typeface="Calibri" panose="020F0502020204030204" pitchFamily="34" charset="0"/>
-                <a:ea typeface="微軟正黑體" pitchFamily="34" charset="-120"/>
-                <a:cs typeface="Calibri" panose="020F0502020204030204" pitchFamily="34" charset="0"/>
-              </a:rPr>
-              <a:t>đang làm</a:t>
+              <a:t>Chắc chắn anh sẽ thấy các công tác Cha đang làm</a:t>
             </a:r>
             <a:endParaRPr lang="vi-VN" altLang="vi-VN" sz="4000" b="1" dirty="0">
               <a:solidFill>
